--- a/Презентационный материал/Презентация.pptx
+++ b/Презентационный материал/Презентация.pptx
@@ -109,6 +109,11 @@
       </a:defRPr>
     </a:lvl9pPr>
   </p:defaultTextStyle>
+  <p:extLst>
+    <p:ext uri="{EFAFB233-063F-42B5-8137-9DF3F51BA10A}">
+      <p15:sldGuideLst xmlns:p15="http://schemas.microsoft.com/office/powerpoint/2012/main"/>
+    </p:ext>
+  </p:extLst>
 </p:presentation>
 </file>
 
@@ -836,7 +841,7 @@
           <a:p>
             <a:fld id="{EE0F37AF-C102-4D48-B167-4F774AA75CF8}" type="datetimeFigureOut">
               <a:rPr lang="ru-RU" smtClean="0"/>
-              <a:t>15.01.2021</a:t>
+              <a:t>16.01.2021</a:t>
             </a:fld>
             <a:endParaRPr lang="ru-RU"/>
           </a:p>
@@ -1087,7 +1092,7 @@
           <a:p>
             <a:fld id="{EE0F37AF-C102-4D48-B167-4F774AA75CF8}" type="datetimeFigureOut">
               <a:rPr lang="ru-RU" smtClean="0"/>
-              <a:t>15.01.2021</a:t>
+              <a:t>16.01.2021</a:t>
             </a:fld>
             <a:endParaRPr lang="ru-RU"/>
           </a:p>
@@ -1401,7 +1406,7 @@
           <a:p>
             <a:fld id="{EE0F37AF-C102-4D48-B167-4F774AA75CF8}" type="datetimeFigureOut">
               <a:rPr lang="ru-RU" smtClean="0"/>
-              <a:t>15.01.2021</a:t>
+              <a:t>16.01.2021</a:t>
             </a:fld>
             <a:endParaRPr lang="ru-RU"/>
           </a:p>
@@ -1728,7 +1733,7 @@
           <a:p>
             <a:fld id="{EE0F37AF-C102-4D48-B167-4F774AA75CF8}" type="datetimeFigureOut">
               <a:rPr lang="ru-RU" smtClean="0"/>
-              <a:t>15.01.2021</a:t>
+              <a:t>16.01.2021</a:t>
             </a:fld>
             <a:endParaRPr lang="ru-RU"/>
           </a:p>
@@ -2042,7 +2047,7 @@
           <a:p>
             <a:fld id="{EE0F37AF-C102-4D48-B167-4F774AA75CF8}" type="datetimeFigureOut">
               <a:rPr lang="ru-RU" smtClean="0"/>
-              <a:t>15.01.2021</a:t>
+              <a:t>16.01.2021</a:t>
             </a:fld>
             <a:endParaRPr lang="ru-RU"/>
           </a:p>
@@ -2429,7 +2434,7 @@
           <a:p>
             <a:fld id="{EE0F37AF-C102-4D48-B167-4F774AA75CF8}" type="datetimeFigureOut">
               <a:rPr lang="ru-RU" smtClean="0"/>
-              <a:t>15.01.2021</a:t>
+              <a:t>16.01.2021</a:t>
             </a:fld>
             <a:endParaRPr lang="ru-RU"/>
           </a:p>
@@ -2599,7 +2604,7 @@
           <a:p>
             <a:fld id="{EE0F37AF-C102-4D48-B167-4F774AA75CF8}" type="datetimeFigureOut">
               <a:rPr lang="ru-RU" smtClean="0"/>
-              <a:t>15.01.2021</a:t>
+              <a:t>16.01.2021</a:t>
             </a:fld>
             <a:endParaRPr lang="ru-RU"/>
           </a:p>
@@ -2779,7 +2784,7 @@
           <a:p>
             <a:fld id="{EE0F37AF-C102-4D48-B167-4F774AA75CF8}" type="datetimeFigureOut">
               <a:rPr lang="ru-RU" smtClean="0"/>
-              <a:t>15.01.2021</a:t>
+              <a:t>16.01.2021</a:t>
             </a:fld>
             <a:endParaRPr lang="ru-RU"/>
           </a:p>
@@ -2955,7 +2960,7 @@
           <a:p>
             <a:fld id="{EE0F37AF-C102-4D48-B167-4F774AA75CF8}" type="datetimeFigureOut">
               <a:rPr lang="ru-RU" smtClean="0"/>
-              <a:t>15.01.2021</a:t>
+              <a:t>16.01.2021</a:t>
             </a:fld>
             <a:endParaRPr lang="ru-RU"/>
           </a:p>
@@ -3202,7 +3207,7 @@
           <a:p>
             <a:fld id="{EE0F37AF-C102-4D48-B167-4F774AA75CF8}" type="datetimeFigureOut">
               <a:rPr lang="ru-RU" smtClean="0"/>
-              <a:t>15.01.2021</a:t>
+              <a:t>16.01.2021</a:t>
             </a:fld>
             <a:endParaRPr lang="ru-RU"/>
           </a:p>
@@ -3434,7 +3439,7 @@
           <a:p>
             <a:fld id="{EE0F37AF-C102-4D48-B167-4F774AA75CF8}" type="datetimeFigureOut">
               <a:rPr lang="ru-RU" smtClean="0"/>
-              <a:t>15.01.2021</a:t>
+              <a:t>16.01.2021</a:t>
             </a:fld>
             <a:endParaRPr lang="ru-RU"/>
           </a:p>
@@ -3808,7 +3813,7 @@
           <a:p>
             <a:fld id="{EE0F37AF-C102-4D48-B167-4F774AA75CF8}" type="datetimeFigureOut">
               <a:rPr lang="ru-RU" smtClean="0"/>
-              <a:t>15.01.2021</a:t>
+              <a:t>16.01.2021</a:t>
             </a:fld>
             <a:endParaRPr lang="ru-RU"/>
           </a:p>
@@ -3931,7 +3936,7 @@
           <a:p>
             <a:fld id="{EE0F37AF-C102-4D48-B167-4F774AA75CF8}" type="datetimeFigureOut">
               <a:rPr lang="ru-RU" smtClean="0"/>
-              <a:t>15.01.2021</a:t>
+              <a:t>16.01.2021</a:t>
             </a:fld>
             <a:endParaRPr lang="ru-RU"/>
           </a:p>
@@ -4026,7 +4031,7 @@
           <a:p>
             <a:fld id="{EE0F37AF-C102-4D48-B167-4F774AA75CF8}" type="datetimeFigureOut">
               <a:rPr lang="ru-RU" smtClean="0"/>
-              <a:t>15.01.2021</a:t>
+              <a:t>16.01.2021</a:t>
             </a:fld>
             <a:endParaRPr lang="ru-RU"/>
           </a:p>
@@ -4281,7 +4286,7 @@
           <a:p>
             <a:fld id="{EE0F37AF-C102-4D48-B167-4F774AA75CF8}" type="datetimeFigureOut">
               <a:rPr lang="ru-RU" smtClean="0"/>
-              <a:t>15.01.2021</a:t>
+              <a:t>16.01.2021</a:t>
             </a:fld>
             <a:endParaRPr lang="ru-RU"/>
           </a:p>
@@ -4544,7 +4549,7 @@
           <a:p>
             <a:fld id="{EE0F37AF-C102-4D48-B167-4F774AA75CF8}" type="datetimeFigureOut">
               <a:rPr lang="ru-RU" smtClean="0"/>
-              <a:t>15.01.2021</a:t>
+              <a:t>16.01.2021</a:t>
             </a:fld>
             <a:endParaRPr lang="ru-RU"/>
           </a:p>
@@ -5289,7 +5294,7 @@
           <a:p>
             <a:fld id="{EE0F37AF-C102-4D48-B167-4F774AA75CF8}" type="datetimeFigureOut">
               <a:rPr lang="ru-RU" smtClean="0"/>
-              <a:t>15.01.2021</a:t>
+              <a:t>16.01.2021</a:t>
             </a:fld>
             <a:endParaRPr lang="ru-RU"/>
           </a:p>
@@ -6080,10 +6085,10 @@
       </p:sp>
       <p:pic>
         <p:nvPicPr>
-          <p:cNvPr id="9" name="Рисунок 8">
+          <p:cNvPr id="6" name="Рисунок 5">
             <a:extLst>
               <a:ext uri="{FF2B5EF4-FFF2-40B4-BE49-F238E27FC236}">
-                <a16:creationId xmlns:a16="http://schemas.microsoft.com/office/drawing/2014/main" id="{31297142-A612-4EB7-9321-CEBD03C38AD2}"/>
+                <a16:creationId xmlns:a16="http://schemas.microsoft.com/office/drawing/2014/main" id="{8AC066BF-DD57-4DAE-BAC5-99C6EDACEAC9}"/>
               </a:ext>
             </a:extLst>
           </p:cNvPr>
@@ -6092,13 +6097,13 @@
         </p:nvPicPr>
         <p:blipFill rotWithShape="1">
           <a:blip r:embed="rId2"/>
-          <a:srcRect l="30360" t="10081" r="30699" b="18431"/>
+          <a:srcRect l="30603" t="12136" r="30608" b="14545"/>
           <a:stretch/>
         </p:blipFill>
         <p:spPr bwMode="auto">
           <a:xfrm>
-            <a:off x="504568" y="801687"/>
-            <a:ext cx="5088255" cy="5254625"/>
+            <a:off x="970489" y="895524"/>
+            <a:ext cx="4622334" cy="5066951"/>
           </a:xfrm>
           <a:prstGeom prst="rect">
             <a:avLst/>
